--- a/figure_prep/figures-views-and-copies.pptx
+++ b/figure_prep/figures-views-and-copies.pptx
@@ -5194,7 +5194,7 @@
           <p:nvPr>
             <p:extLst>
               <p:ext uri="{D42A27DB-BD31-4B8C-83A1-F6EECF244321}">
-                <p14:modId xmlns:p14="http://schemas.microsoft.com/office/powerpoint/2010/main" val="2822686043"/>
+                <p14:modId xmlns:p14="http://schemas.microsoft.com/office/powerpoint/2010/main" val="3901742488"/>
               </p:ext>
             </p:extLst>
           </p:nvPr>
@@ -5388,7 +5388,7 @@
           <p:nvPr>
             <p:extLst>
               <p:ext uri="{D42A27DB-BD31-4B8C-83A1-F6EECF244321}">
-                <p14:modId xmlns:p14="http://schemas.microsoft.com/office/powerpoint/2010/main" val="3807775352"/>
+                <p14:modId xmlns:p14="http://schemas.microsoft.com/office/powerpoint/2010/main" val="1898146139"/>
               </p:ext>
             </p:extLst>
           </p:nvPr>
@@ -5947,7 +5947,7 @@
           <p:nvPr>
             <p:extLst>
               <p:ext uri="{D42A27DB-BD31-4B8C-83A1-F6EECF244321}">
-                <p14:modId xmlns:p14="http://schemas.microsoft.com/office/powerpoint/2010/main" val="2089822092"/>
+                <p14:modId xmlns:p14="http://schemas.microsoft.com/office/powerpoint/2010/main" val="1552161007"/>
               </p:ext>
             </p:extLst>
           </p:nvPr>
@@ -6142,7 +6142,7 @@
           <p:nvPr>
             <p:extLst>
               <p:ext uri="{D42A27DB-BD31-4B8C-83A1-F6EECF244321}">
-                <p14:modId xmlns:p14="http://schemas.microsoft.com/office/powerpoint/2010/main" val="1515544914"/>
+                <p14:modId xmlns:p14="http://schemas.microsoft.com/office/powerpoint/2010/main" val="2640171545"/>
               </p:ext>
             </p:extLst>
           </p:nvPr>
@@ -6559,7 +6559,7 @@
           <p:nvPr>
             <p:extLst>
               <p:ext uri="{D42A27DB-BD31-4B8C-83A1-F6EECF244321}">
-                <p14:modId xmlns:p14="http://schemas.microsoft.com/office/powerpoint/2010/main" val="1644480502"/>
+                <p14:modId xmlns:p14="http://schemas.microsoft.com/office/powerpoint/2010/main" val="257112508"/>
               </p:ext>
             </p:extLst>
           </p:nvPr>
@@ -6757,7 +6757,7 @@
           <p:nvPr>
             <p:extLst>
               <p:ext uri="{D42A27DB-BD31-4B8C-83A1-F6EECF244321}">
-                <p14:modId xmlns:p14="http://schemas.microsoft.com/office/powerpoint/2010/main" val="920598879"/>
+                <p14:modId xmlns:p14="http://schemas.microsoft.com/office/powerpoint/2010/main" val="2425778414"/>
               </p:ext>
             </p:extLst>
           </p:nvPr>
@@ -7214,7 +7214,7 @@
           <p:nvPr>
             <p:extLst>
               <p:ext uri="{D42A27DB-BD31-4B8C-83A1-F6EECF244321}">
-                <p14:modId xmlns:p14="http://schemas.microsoft.com/office/powerpoint/2010/main" val="1655105108"/>
+                <p14:modId xmlns:p14="http://schemas.microsoft.com/office/powerpoint/2010/main" val="3406129504"/>
               </p:ext>
             </p:extLst>
           </p:nvPr>
@@ -7417,7 +7417,7 @@
           <p:nvPr>
             <p:extLst>
               <p:ext uri="{D42A27DB-BD31-4B8C-83A1-F6EECF244321}">
-                <p14:modId xmlns:p14="http://schemas.microsoft.com/office/powerpoint/2010/main" val="208112166"/>
+                <p14:modId xmlns:p14="http://schemas.microsoft.com/office/powerpoint/2010/main" val="6026599"/>
               </p:ext>
             </p:extLst>
           </p:nvPr>
@@ -8036,7 +8036,13 @@
           <p:cNvGraphicFramePr>
             <a:graphicFrameLocks noGrp="1"/>
           </p:cNvGraphicFramePr>
-          <p:nvPr/>
+          <p:nvPr>
+            <p:extLst>
+              <p:ext uri="{D42A27DB-BD31-4B8C-83A1-F6EECF244321}">
+                <p14:modId xmlns:p14="http://schemas.microsoft.com/office/powerpoint/2010/main" val="3262168352"/>
+              </p:ext>
+            </p:extLst>
+          </p:nvPr>
         </p:nvGraphicFramePr>
         <p:xfrm>
           <a:off x="6371885" y="288514"/>
@@ -8225,7 +8231,13 @@
           <p:cNvGraphicFramePr>
             <a:graphicFrameLocks noGrp="1"/>
           </p:cNvGraphicFramePr>
-          <p:nvPr/>
+          <p:nvPr>
+            <p:extLst>
+              <p:ext uri="{D42A27DB-BD31-4B8C-83A1-F6EECF244321}">
+                <p14:modId xmlns:p14="http://schemas.microsoft.com/office/powerpoint/2010/main" val="3124763229"/>
+              </p:ext>
+            </p:extLst>
+          </p:nvPr>
         </p:nvGraphicFramePr>
         <p:xfrm>
           <a:off x="6626293" y="1008031"/>
@@ -8958,7 +8970,7 @@
           <p:nvPr>
             <p:extLst>
               <p:ext uri="{D42A27DB-BD31-4B8C-83A1-F6EECF244321}">
-                <p14:modId xmlns:p14="http://schemas.microsoft.com/office/powerpoint/2010/main" val="320905460"/>
+                <p14:modId xmlns:p14="http://schemas.microsoft.com/office/powerpoint/2010/main" val="1093121718"/>
               </p:ext>
             </p:extLst>
           </p:nvPr>
@@ -9153,7 +9165,7 @@
           <p:nvPr>
             <p:extLst>
               <p:ext uri="{D42A27DB-BD31-4B8C-83A1-F6EECF244321}">
-                <p14:modId xmlns:p14="http://schemas.microsoft.com/office/powerpoint/2010/main" val="3871606946"/>
+                <p14:modId xmlns:p14="http://schemas.microsoft.com/office/powerpoint/2010/main" val="3019629436"/>
               </p:ext>
             </p:extLst>
           </p:nvPr>
@@ -9681,7 +9693,7 @@
           <p:nvPr>
             <p:extLst>
               <p:ext uri="{D42A27DB-BD31-4B8C-83A1-F6EECF244321}">
-                <p14:modId xmlns:p14="http://schemas.microsoft.com/office/powerpoint/2010/main" val="2351720726"/>
+                <p14:modId xmlns:p14="http://schemas.microsoft.com/office/powerpoint/2010/main" val="1167704298"/>
               </p:ext>
             </p:extLst>
           </p:nvPr>
@@ -9884,7 +9896,7 @@
           <p:nvPr>
             <p:extLst>
               <p:ext uri="{D42A27DB-BD31-4B8C-83A1-F6EECF244321}">
-                <p14:modId xmlns:p14="http://schemas.microsoft.com/office/powerpoint/2010/main" val="1969666531"/>
+                <p14:modId xmlns:p14="http://schemas.microsoft.com/office/powerpoint/2010/main" val="216067872"/>
               </p:ext>
             </p:extLst>
           </p:nvPr>
@@ -10158,7 +10170,7 @@
         <p:spPr>
           <a:xfrm>
             <a:off x="0" y="0"/>
-            <a:ext cx="12192000" cy="3605953"/>
+            <a:ext cx="8526162" cy="3605953"/>
           </a:xfrm>
           <a:prstGeom prst="rect">
             <a:avLst/>
@@ -10210,7 +10222,7 @@
           <p:nvPr>
             <p:extLst>
               <p:ext uri="{D42A27DB-BD31-4B8C-83A1-F6EECF244321}">
-                <p14:modId xmlns:p14="http://schemas.microsoft.com/office/powerpoint/2010/main" val="676301234"/>
+                <p14:modId xmlns:p14="http://schemas.microsoft.com/office/powerpoint/2010/main" val="955856821"/>
               </p:ext>
             </p:extLst>
           </p:nvPr>
@@ -10408,7 +10420,7 @@
           <p:nvPr>
             <p:extLst>
               <p:ext uri="{D42A27DB-BD31-4B8C-83A1-F6EECF244321}">
-                <p14:modId xmlns:p14="http://schemas.microsoft.com/office/powerpoint/2010/main" val="1514199097"/>
+                <p14:modId xmlns:p14="http://schemas.microsoft.com/office/powerpoint/2010/main" val="4130195319"/>
               </p:ext>
             </p:extLst>
           </p:nvPr>
@@ -11051,7 +11063,7 @@
         <p:spPr>
           <a:xfrm>
             <a:off x="0" y="0"/>
-            <a:ext cx="12192000" cy="3605953"/>
+            <a:ext cx="10392032" cy="3605953"/>
           </a:xfrm>
           <a:prstGeom prst="rect">
             <a:avLst/>
@@ -11100,7 +11112,13 @@
           <p:cNvGraphicFramePr>
             <a:graphicFrameLocks noGrp="1"/>
           </p:cNvGraphicFramePr>
-          <p:nvPr/>
+          <p:nvPr>
+            <p:extLst>
+              <p:ext uri="{D42A27DB-BD31-4B8C-83A1-F6EECF244321}">
+                <p14:modId xmlns:p14="http://schemas.microsoft.com/office/powerpoint/2010/main" val="2516085166"/>
+              </p:ext>
+            </p:extLst>
+          </p:nvPr>
         </p:nvGraphicFramePr>
         <p:xfrm>
           <a:off x="7243436" y="288514"/>
@@ -11288,7 +11306,13 @@
           <p:cNvGraphicFramePr>
             <a:graphicFrameLocks noGrp="1"/>
           </p:cNvGraphicFramePr>
-          <p:nvPr/>
+          <p:nvPr>
+            <p:extLst>
+              <p:ext uri="{D42A27DB-BD31-4B8C-83A1-F6EECF244321}">
+                <p14:modId xmlns:p14="http://schemas.microsoft.com/office/powerpoint/2010/main" val="1046113448"/>
+              </p:ext>
+            </p:extLst>
+          </p:nvPr>
         </p:nvGraphicFramePr>
         <p:xfrm>
           <a:off x="7497844" y="1008031"/>
@@ -11886,7 +11910,7 @@
           <p:nvPr>
             <p:extLst>
               <p:ext uri="{D42A27DB-BD31-4B8C-83A1-F6EECF244321}">
-                <p14:modId xmlns:p14="http://schemas.microsoft.com/office/powerpoint/2010/main" val="4082467858"/>
+                <p14:modId xmlns:p14="http://schemas.microsoft.com/office/powerpoint/2010/main" val="808029547"/>
               </p:ext>
             </p:extLst>
           </p:nvPr>
@@ -12089,7 +12113,7 @@
           <p:nvPr>
             <p:extLst>
               <p:ext uri="{D42A27DB-BD31-4B8C-83A1-F6EECF244321}">
-                <p14:modId xmlns:p14="http://schemas.microsoft.com/office/powerpoint/2010/main" val="2960764727"/>
+                <p14:modId xmlns:p14="http://schemas.microsoft.com/office/powerpoint/2010/main" val="3403541419"/>
               </p:ext>
             </p:extLst>
           </p:nvPr>
@@ -12576,7 +12600,13 @@
           <p:cNvGraphicFramePr>
             <a:graphicFrameLocks noGrp="1"/>
           </p:cNvGraphicFramePr>
-          <p:nvPr/>
+          <p:nvPr>
+            <p:extLst>
+              <p:ext uri="{D42A27DB-BD31-4B8C-83A1-F6EECF244321}">
+                <p14:modId xmlns:p14="http://schemas.microsoft.com/office/powerpoint/2010/main" val="2101768917"/>
+              </p:ext>
+            </p:extLst>
+          </p:nvPr>
         </p:nvGraphicFramePr>
         <p:xfrm>
           <a:off x="7243436" y="288514"/>
@@ -12767,7 +12797,7 @@
           <p:nvPr>
             <p:extLst>
               <p:ext uri="{D42A27DB-BD31-4B8C-83A1-F6EECF244321}">
-                <p14:modId xmlns:p14="http://schemas.microsoft.com/office/powerpoint/2010/main" val="3912807000"/>
+                <p14:modId xmlns:p14="http://schemas.microsoft.com/office/powerpoint/2010/main" val="726814776"/>
               </p:ext>
             </p:extLst>
           </p:nvPr>
@@ -13365,7 +13395,13 @@
           <p:cNvGraphicFramePr>
             <a:graphicFrameLocks noGrp="1"/>
           </p:cNvGraphicFramePr>
-          <p:nvPr/>
+          <p:nvPr>
+            <p:extLst>
+              <p:ext uri="{D42A27DB-BD31-4B8C-83A1-F6EECF244321}">
+                <p14:modId xmlns:p14="http://schemas.microsoft.com/office/powerpoint/2010/main" val="2083820468"/>
+              </p:ext>
+            </p:extLst>
+          </p:nvPr>
         </p:nvGraphicFramePr>
         <p:xfrm>
           <a:off x="8938316" y="288514"/>
@@ -13557,7 +13593,7 @@
           <p:nvPr>
             <p:extLst>
               <p:ext uri="{D42A27DB-BD31-4B8C-83A1-F6EECF244321}">
-                <p14:modId xmlns:p14="http://schemas.microsoft.com/office/powerpoint/2010/main" val="18248358"/>
+                <p14:modId xmlns:p14="http://schemas.microsoft.com/office/powerpoint/2010/main" val="2895324536"/>
               </p:ext>
             </p:extLst>
           </p:nvPr>
@@ -13959,7 +13995,7 @@
           <p:nvPr>
             <p:extLst>
               <p:ext uri="{D42A27DB-BD31-4B8C-83A1-F6EECF244321}">
-                <p14:modId xmlns:p14="http://schemas.microsoft.com/office/powerpoint/2010/main" val="1113899951"/>
+                <p14:modId xmlns:p14="http://schemas.microsoft.com/office/powerpoint/2010/main" val="446024831"/>
               </p:ext>
             </p:extLst>
           </p:nvPr>
@@ -14157,7 +14193,7 @@
           <p:nvPr>
             <p:extLst>
               <p:ext uri="{D42A27DB-BD31-4B8C-83A1-F6EECF244321}">
-                <p14:modId xmlns:p14="http://schemas.microsoft.com/office/powerpoint/2010/main" val="105014145"/>
+                <p14:modId xmlns:p14="http://schemas.microsoft.com/office/powerpoint/2010/main" val="3746965351"/>
               </p:ext>
             </p:extLst>
           </p:nvPr>
